--- a/Rotation1/Rotation1.pptx
+++ b/Rotation1/Rotation1.pptx
@@ -25,6 +25,13 @@
     <p:sldId id="273" r:id="rId19"/>
     <p:sldId id="274" r:id="rId20"/>
     <p:sldId id="275" r:id="rId21"/>
+    <p:sldId id="276" r:id="rId22"/>
+    <p:sldId id="277" r:id="rId23"/>
+    <p:sldId id="278" r:id="rId24"/>
+    <p:sldId id="279" r:id="rId25"/>
+    <p:sldId id="280" r:id="rId26"/>
+    <p:sldId id="281" r:id="rId27"/>
+    <p:sldId id="282" r:id="rId28"/>
   </p:sldIdLst>
   <p:sldSz cx="9144000" cy="5143500" type="screen16x9"/>
   <p:notesSz cx="6858000" cy="9144000"/>
@@ -3393,7 +3400,12 @@
             <p:ph type="title"/>
           </p:nvPr>
         </p:nvSpPr>
-        <p:spPr/>
+        <p:spPr>
+          <a:xfrm>
+            <a:off x="722313" y="3305176"/>
+            <a:ext cx="7772400" cy="1021556"/>
+          </a:xfrm>
+        </p:spPr>
         <p:txBody>
           <a:bodyPr/>
           <a:lstStyle/>
@@ -3403,72 +3415,7 @@
             </a:pPr>
             <a:r>
               <a:rPr/>
-              <a:t>Creating variables of interest</a:t>
-            </a:r>
-          </a:p>
-        </p:txBody>
-      </p:sp>
-      <p:sp>
-        <p:nvSpPr>
-          <p:cNvPr id="3" name="Content Placeholder 2"/>
-          <p:cNvSpPr>
-            <a:spLocks noGrp="1"/>
-          </p:cNvSpPr>
-          <p:nvPr>
-            <p:ph idx="1"/>
-          </p:nvPr>
-        </p:nvSpPr>
-        <p:spPr/>
-        <p:txBody>
-          <a:bodyPr/>
-          <a:lstStyle/>
-          <a:p>
-            <a:pPr lvl="0"/>
-            <a:r>
-              <a:rPr/>
-              <a:t>Did they see a surgeon?</a:t>
-            </a:r>
-          </a:p>
-          <a:p>
-            <a:pPr lvl="0"/>
-            <a:r>
-              <a:rPr/>
-              <a:t>Did they see a radiation oncologist?</a:t>
-            </a:r>
-          </a:p>
-          <a:p>
-            <a:pPr lvl="0"/>
-            <a:r>
-              <a:rPr/>
-              <a:t>Did they see a medical oncologist?</a:t>
-            </a:r>
-          </a:p>
-          <a:p>
-            <a:pPr lvl="0"/>
-            <a:r>
-              <a:rPr/>
-              <a:t>Determined by:</a:t>
-            </a:r>
-          </a:p>
-          <a:p>
-            <a:pPr lvl="1"/>
-            <a:r>
-              <a:rPr/>
-              <a:t>Getting a list of all providers they saw by NPI</a:t>
-            </a:r>
-          </a:p>
-          <a:p>
-            <a:pPr lvl="1"/>
-            <a:r>
-              <a:rPr/>
-              <a:t>Extracting the specialty names associated with those IDs</a:t>
-            </a:r>
-          </a:p>
-          <a:p>
-            <a:pPr lvl="1"/>
-            <a:r>
-              <a:rPr/>
-              <a:t>String matching relevant titles in “uniquified” list</a:t>
+              <a:t>Zip codes as a proxy for geographic dispersion</a:t>
             </a:r>
           </a:p>
         </p:txBody>
@@ -3515,7 +3462,7 @@
             </a:pPr>
             <a:r>
               <a:rPr/>
-              <a:t>Creating variables of interest 2</a:t>
+              <a:t>Motivation &amp; Logic</a:t>
             </a:r>
           </a:p>
         </p:txBody>
@@ -3538,35 +3485,21 @@
             <a:pPr lvl="0"/>
             <a:r>
               <a:rPr/>
-              <a:t>Do they have a primary care in our network?</a:t>
-            </a:r>
-          </a:p>
-          <a:p>
-            <a:pPr lvl="1"/>
-            <a:r>
-              <a:rPr/>
-              <a:t>Get a list of all the providers they saw as in the last slide</a:t>
-            </a:r>
-          </a:p>
-          <a:p>
-            <a:pPr lvl="1"/>
-            <a:r>
-              <a:rPr/>
-              <a:t>Checking if a general practicioner or family care title appears</a:t>
+              <a:t>Get a rough approximation of dispersion of patients in the network using the number of zipcode they have encounters in.</a:t>
             </a:r>
           </a:p>
           <a:p>
             <a:pPr lvl="0"/>
             <a:r>
               <a:rPr/>
-              <a:t>Did they get surgery?</a:t>
+              <a:t>By patient ID, how many unique zip code strings are observed?</a:t>
             </a:r>
           </a:p>
           <a:p>
             <a:pPr lvl="0"/>
             <a:r>
               <a:rPr/>
-              <a:t>Did they get hormone therapy?</a:t>
+              <a:t>We observe a skewed distribution ranging from ???.</a:t>
             </a:r>
           </a:p>
         </p:txBody>
@@ -3603,26 +3536,74 @@
             <p:ph type="title"/>
           </p:nvPr>
         </p:nvSpPr>
-        <p:spPr>
+        <p:spPr/>
+        <p:txBody>
+          <a:bodyPr/>
+          <a:lstStyle/>
+          <a:p>
+            <a:pPr lvl="0" indent="0" marL="0">
+              <a:buNone/>
+            </a:pPr>
+            <a:r>
+              <a:rPr/>
+              <a:t>Histogram of zip codes by patient and</a:t>
+            </a:r>
+          </a:p>
+        </p:txBody>
+      </p:sp>
+      <p:sp>
+        <p:nvSpPr>
+          <p:cNvPr id="3" name="Content Placeholder 2"/>
+          <p:cNvSpPr>
+            <a:spLocks noGrp="1"/>
+          </p:cNvSpPr>
+          <p:nvPr>
+            <p:ph idx="1" sz="half"/>
+          </p:nvPr>
+        </p:nvSpPr>
+        <p:spPr/>
+        <p:txBody>
+          <a:bodyPr/>
+          <a:lstStyle/>
+          <a:p>
+            <a:pPr lvl="0"/>
+            <a:r>
+              <a:rPr/>
+              <a:t>What the here</a:t>
+            </a:r>
+          </a:p>
+        </p:txBody>
+      </p:sp>
+      <p:pic>
+        <p:nvPicPr>
+          <p:cNvPr descr="assets/images/care-density-by-zipcodes.png" id="0" name="Picture 1"/>
+          <p:cNvPicPr>
+            <a:picLocks noGrp="1" noChangeAspect="1"/>
+          </p:cNvPicPr>
+          <p:nvPr/>
+        </p:nvPicPr>
+        <p:blipFill>
+          <a:blip r:embed="rId2"/>
+          <a:stretch>
+            <a:fillRect/>
+          </a:stretch>
+        </p:blipFill>
+        <p:spPr bwMode="auto">
           <a:xfrm>
-            <a:off x="722313" y="3305176"/>
-            <a:ext cx="7772400" cy="1021556"/>
+            <a:off x="4648200" y="1524000"/>
+            <a:ext cx="4038600" cy="2730500"/>
           </a:xfrm>
+          <a:prstGeom prst="rect">
+            <a:avLst/>
+          </a:prstGeom>
+          <a:noFill/>
+          <a:ln w="9525">
+            <a:noFill/>
+            <a:headEnd/>
+            <a:tailEnd/>
+          </a:ln>
         </p:spPr>
-        <p:txBody>
-          <a:bodyPr/>
-          <a:lstStyle/>
-          <a:p>
-            <a:pPr lvl="0" indent="0" marL="0">
-              <a:buNone/>
-            </a:pPr>
-            <a:r>
-              <a:rPr/>
-              <a:t>Creating the network</a:t>
-            </a:r>
-          </a:p>
-        </p:txBody>
-      </p:sp>
+      </p:pic>
     </p:spTree>
   </p:cSld>
 </p:sld>
@@ -3655,7 +3636,12 @@
             <p:ph type="title"/>
           </p:nvPr>
         </p:nvSpPr>
-        <p:spPr/>
+        <p:spPr>
+          <a:xfrm>
+            <a:off x="722313" y="3305176"/>
+            <a:ext cx="7772400" cy="1021556"/>
+          </a:xfrm>
+        </p:spPr>
         <p:txBody>
           <a:bodyPr/>
           <a:lstStyle/>
@@ -3665,47 +3651,7 @@
             </a:pPr>
             <a:r>
               <a:rPr/>
-              <a:t>The preliminary network analysis</a:t>
-            </a:r>
-          </a:p>
-        </p:txBody>
-      </p:sp>
-      <p:sp>
-        <p:nvSpPr>
-          <p:cNvPr id="3" name="Content Placeholder 2"/>
-          <p:cNvSpPr>
-            <a:spLocks noGrp="1"/>
-          </p:cNvSpPr>
-          <p:nvPr>
-            <p:ph idx="1"/>
-          </p:nvPr>
-        </p:nvSpPr>
-        <p:spPr/>
-        <p:txBody>
-          <a:bodyPr/>
-          <a:lstStyle/>
-          <a:p>
-            <a:pPr lvl="0"/>
-            <a:r>
-              <a:rPr/>
-              <a:t>Created a physician-physician network using </a:t>
-            </a:r>
-            <a:r>
-              <a:rPr>
-                <a:latin typeface="Courier"/>
-              </a:rPr>
-              <a:t>igraph</a:t>
-            </a:r>
-            <a:r>
-              <a:rPr/>
-              <a:t> for R</a:t>
-            </a:r>
-          </a:p>
-          <a:p>
-            <a:pPr lvl="0"/>
-            <a:r>
-              <a:rPr/>
-              <a:t>Extracted the weights to asses relationships between physicians</a:t>
+              <a:t>Care-team variables of interest</a:t>
             </a:r>
           </a:p>
         </p:txBody>
@@ -3716,6 +3662,355 @@
 </file>
 
 <file path=ppt/slides/slide14.xml><?xml version="1.0" encoding="utf-8"?>
+<p:sld xmlns:a="http://schemas.openxmlformats.org/drawingml/2006/main" xmlns:r="http://schemas.openxmlformats.org/officeDocument/2006/relationships" xmlns:p="http://schemas.openxmlformats.org/presentationml/2006/main">
+  <p:cSld>
+    <p:spTree>
+      <p:nvGrpSpPr>
+        <p:cNvPr id="1" name=""/>
+        <p:cNvGrpSpPr/>
+        <p:nvPr/>
+      </p:nvGrpSpPr>
+      <p:grpSpPr>
+        <a:xfrm>
+          <a:off x="0" y="0"/>
+          <a:ext cx="0" cy="0"/>
+          <a:chOff x="0" y="0"/>
+          <a:chExt cx="0" cy="0"/>
+        </a:xfrm>
+      </p:grpSpPr>
+      <p:sp>
+        <p:nvSpPr>
+          <p:cNvPr id="2" name="Title 1"/>
+          <p:cNvSpPr>
+            <a:spLocks noGrp="1"/>
+          </p:cNvSpPr>
+          <p:nvPr>
+            <p:ph type="title"/>
+          </p:nvPr>
+        </p:nvSpPr>
+        <p:spPr/>
+        <p:txBody>
+          <a:bodyPr/>
+          <a:lstStyle/>
+          <a:p>
+            <a:pPr lvl="0" indent="0" marL="0">
+              <a:buNone/>
+            </a:pPr>
+            <a:r>
+              <a:rPr/>
+              <a:t>Creating variables of interest</a:t>
+            </a:r>
+          </a:p>
+        </p:txBody>
+      </p:sp>
+      <p:sp>
+        <p:nvSpPr>
+          <p:cNvPr id="3" name="Content Placeholder 2"/>
+          <p:cNvSpPr>
+            <a:spLocks noGrp="1"/>
+          </p:cNvSpPr>
+          <p:nvPr>
+            <p:ph idx="1"/>
+          </p:nvPr>
+        </p:nvSpPr>
+        <p:spPr/>
+        <p:txBody>
+          <a:bodyPr/>
+          <a:lstStyle/>
+          <a:p>
+            <a:pPr lvl="0"/>
+            <a:r>
+              <a:rPr/>
+              <a:t>Did they see a surgeon?</a:t>
+            </a:r>
+          </a:p>
+          <a:p>
+            <a:pPr lvl="0"/>
+            <a:r>
+              <a:rPr/>
+              <a:t>Did they see a radiation oncologist?</a:t>
+            </a:r>
+          </a:p>
+          <a:p>
+            <a:pPr lvl="0"/>
+            <a:r>
+              <a:rPr/>
+              <a:t>Did they see a medical oncologist?</a:t>
+            </a:r>
+          </a:p>
+          <a:p>
+            <a:pPr lvl="0"/>
+            <a:r>
+              <a:rPr/>
+              <a:t>Determined by:</a:t>
+            </a:r>
+          </a:p>
+          <a:p>
+            <a:pPr lvl="1"/>
+            <a:r>
+              <a:rPr/>
+              <a:t>Getting a list of all providers they saw by NPI</a:t>
+            </a:r>
+          </a:p>
+          <a:p>
+            <a:pPr lvl="1"/>
+            <a:r>
+              <a:rPr/>
+              <a:t>Extracting the specialty names associated with those IDs</a:t>
+            </a:r>
+          </a:p>
+          <a:p>
+            <a:pPr lvl="1"/>
+            <a:r>
+              <a:rPr/>
+              <a:t>String matching relevant titles in “uniquified” list</a:t>
+            </a:r>
+          </a:p>
+        </p:txBody>
+      </p:sp>
+    </p:spTree>
+  </p:cSld>
+</p:sld>
+</file>
+
+<file path=ppt/slides/slide15.xml><?xml version="1.0" encoding="utf-8"?>
+<p:sld xmlns:a="http://schemas.openxmlformats.org/drawingml/2006/main" xmlns:r="http://schemas.openxmlformats.org/officeDocument/2006/relationships" xmlns:p="http://schemas.openxmlformats.org/presentationml/2006/main">
+  <p:cSld>
+    <p:spTree>
+      <p:nvGrpSpPr>
+        <p:cNvPr id="1" name=""/>
+        <p:cNvGrpSpPr/>
+        <p:nvPr/>
+      </p:nvGrpSpPr>
+      <p:grpSpPr>
+        <a:xfrm>
+          <a:off x="0" y="0"/>
+          <a:ext cx="0" cy="0"/>
+          <a:chOff x="0" y="0"/>
+          <a:chExt cx="0" cy="0"/>
+        </a:xfrm>
+      </p:grpSpPr>
+      <p:sp>
+        <p:nvSpPr>
+          <p:cNvPr id="2" name="Title 1"/>
+          <p:cNvSpPr>
+            <a:spLocks noGrp="1"/>
+          </p:cNvSpPr>
+          <p:nvPr>
+            <p:ph type="title"/>
+          </p:nvPr>
+        </p:nvSpPr>
+        <p:spPr/>
+        <p:txBody>
+          <a:bodyPr/>
+          <a:lstStyle/>
+          <a:p>
+            <a:pPr lvl="0" indent="0" marL="0">
+              <a:buNone/>
+            </a:pPr>
+            <a:r>
+              <a:rPr/>
+              <a:t>Creating variables of interest 2</a:t>
+            </a:r>
+          </a:p>
+        </p:txBody>
+      </p:sp>
+      <p:sp>
+        <p:nvSpPr>
+          <p:cNvPr id="3" name="Content Placeholder 2"/>
+          <p:cNvSpPr>
+            <a:spLocks noGrp="1"/>
+          </p:cNvSpPr>
+          <p:nvPr>
+            <p:ph idx="1"/>
+          </p:nvPr>
+        </p:nvSpPr>
+        <p:spPr/>
+        <p:txBody>
+          <a:bodyPr/>
+          <a:lstStyle/>
+          <a:p>
+            <a:pPr lvl="0"/>
+            <a:r>
+              <a:rPr/>
+              <a:t>Do they have a primary care in our network?</a:t>
+            </a:r>
+          </a:p>
+          <a:p>
+            <a:pPr lvl="1"/>
+            <a:r>
+              <a:rPr/>
+              <a:t>Get a list of all the providers they saw as in the last slide</a:t>
+            </a:r>
+          </a:p>
+          <a:p>
+            <a:pPr lvl="1"/>
+            <a:r>
+              <a:rPr/>
+              <a:t>Checking if a general practicioner or family care title appears</a:t>
+            </a:r>
+          </a:p>
+          <a:p>
+            <a:pPr lvl="0"/>
+            <a:r>
+              <a:rPr/>
+              <a:t>Did they get surgery?</a:t>
+            </a:r>
+          </a:p>
+          <a:p>
+            <a:pPr lvl="0"/>
+            <a:r>
+              <a:rPr/>
+              <a:t>Did they get hormone therapy?</a:t>
+            </a:r>
+          </a:p>
+        </p:txBody>
+      </p:sp>
+    </p:spTree>
+  </p:cSld>
+</p:sld>
+</file>
+
+<file path=ppt/slides/slide16.xml><?xml version="1.0" encoding="utf-8"?>
+<p:sld xmlns:a="http://schemas.openxmlformats.org/drawingml/2006/main" xmlns:r="http://schemas.openxmlformats.org/officeDocument/2006/relationships" xmlns:p="http://schemas.openxmlformats.org/presentationml/2006/main">
+  <p:cSld>
+    <p:spTree>
+      <p:nvGrpSpPr>
+        <p:cNvPr id="1" name=""/>
+        <p:cNvGrpSpPr/>
+        <p:nvPr/>
+      </p:nvGrpSpPr>
+      <p:grpSpPr>
+        <a:xfrm>
+          <a:off x="0" y="0"/>
+          <a:ext cx="0" cy="0"/>
+          <a:chOff x="0" y="0"/>
+          <a:chExt cx="0" cy="0"/>
+        </a:xfrm>
+      </p:grpSpPr>
+      <p:sp>
+        <p:nvSpPr>
+          <p:cNvPr id="2" name="Title 1"/>
+          <p:cNvSpPr>
+            <a:spLocks noGrp="1"/>
+          </p:cNvSpPr>
+          <p:nvPr>
+            <p:ph type="title"/>
+          </p:nvPr>
+        </p:nvSpPr>
+        <p:spPr>
+          <a:xfrm>
+            <a:off x="722313" y="3305176"/>
+            <a:ext cx="7772400" cy="1021556"/>
+          </a:xfrm>
+        </p:spPr>
+        <p:txBody>
+          <a:bodyPr/>
+          <a:lstStyle/>
+          <a:p>
+            <a:pPr lvl="0" indent="0" marL="0">
+              <a:buNone/>
+            </a:pPr>
+            <a:r>
+              <a:rPr/>
+              <a:t>Creating the network</a:t>
+            </a:r>
+          </a:p>
+        </p:txBody>
+      </p:sp>
+    </p:spTree>
+  </p:cSld>
+</p:sld>
+</file>
+
+<file path=ppt/slides/slide17.xml><?xml version="1.0" encoding="utf-8"?>
+<p:sld xmlns:a="http://schemas.openxmlformats.org/drawingml/2006/main" xmlns:r="http://schemas.openxmlformats.org/officeDocument/2006/relationships" xmlns:p="http://schemas.openxmlformats.org/presentationml/2006/main">
+  <p:cSld>
+    <p:spTree>
+      <p:nvGrpSpPr>
+        <p:cNvPr id="1" name=""/>
+        <p:cNvGrpSpPr/>
+        <p:nvPr/>
+      </p:nvGrpSpPr>
+      <p:grpSpPr>
+        <a:xfrm>
+          <a:off x="0" y="0"/>
+          <a:ext cx="0" cy="0"/>
+          <a:chOff x="0" y="0"/>
+          <a:chExt cx="0" cy="0"/>
+        </a:xfrm>
+      </p:grpSpPr>
+      <p:sp>
+        <p:nvSpPr>
+          <p:cNvPr id="2" name="Title 1"/>
+          <p:cNvSpPr>
+            <a:spLocks noGrp="1"/>
+          </p:cNvSpPr>
+          <p:nvPr>
+            <p:ph type="title"/>
+          </p:nvPr>
+        </p:nvSpPr>
+        <p:spPr/>
+        <p:txBody>
+          <a:bodyPr/>
+          <a:lstStyle/>
+          <a:p>
+            <a:pPr lvl="0" indent="0" marL="0">
+              <a:buNone/>
+            </a:pPr>
+            <a:r>
+              <a:rPr/>
+              <a:t>The preliminary network analysis</a:t>
+            </a:r>
+          </a:p>
+        </p:txBody>
+      </p:sp>
+      <p:sp>
+        <p:nvSpPr>
+          <p:cNvPr id="3" name="Content Placeholder 2"/>
+          <p:cNvSpPr>
+            <a:spLocks noGrp="1"/>
+          </p:cNvSpPr>
+          <p:nvPr>
+            <p:ph idx="1"/>
+          </p:nvPr>
+        </p:nvSpPr>
+        <p:spPr/>
+        <p:txBody>
+          <a:bodyPr/>
+          <a:lstStyle/>
+          <a:p>
+            <a:pPr lvl="0"/>
+            <a:r>
+              <a:rPr/>
+              <a:t>Created a physician-physician network using </a:t>
+            </a:r>
+            <a:r>
+              <a:rPr>
+                <a:latin typeface="Courier"/>
+              </a:rPr>
+              <a:t>igraph</a:t>
+            </a:r>
+            <a:r>
+              <a:rPr/>
+              <a:t> for R</a:t>
+            </a:r>
+          </a:p>
+          <a:p>
+            <a:pPr lvl="0"/>
+            <a:r>
+              <a:rPr/>
+              <a:t>Extracted the weights to asses relationships between physicians</a:t>
+            </a:r>
+          </a:p>
+        </p:txBody>
+      </p:sp>
+    </p:spTree>
+  </p:cSld>
+</p:sld>
+</file>
+
+<file path=ppt/slides/slide18.xml><?xml version="1.0" encoding="utf-8"?>
 <p:sld xmlns:a="http://schemas.openxmlformats.org/drawingml/2006/main" xmlns:r="http://schemas.openxmlformats.org/officeDocument/2006/relationships" xmlns:p="http://schemas.openxmlformats.org/presentationml/2006/main">
   <p:cSld>
     <p:spTree>
@@ -3820,7 +4115,7 @@
 </p:sld>
 </file>
 
-<file path=ppt/slides/slide15.xml><?xml version="1.0" encoding="utf-8"?>
+<file path=ppt/slides/slide19.xml><?xml version="1.0" encoding="utf-8"?>
 <p:sld xmlns:a="http://schemas.openxmlformats.org/drawingml/2006/main" xmlns:r="http://schemas.openxmlformats.org/officeDocument/2006/relationships" xmlns:p="http://schemas.openxmlformats.org/presentationml/2006/main">
   <p:cSld>
     <p:spTree>
@@ -3925,365 +4220,6 @@
 </p:sld>
 </file>
 
-<file path=ppt/slides/slide16.xml><?xml version="1.0" encoding="utf-8"?>
-<p:sld xmlns:a="http://schemas.openxmlformats.org/drawingml/2006/main" xmlns:r="http://schemas.openxmlformats.org/officeDocument/2006/relationships" xmlns:p="http://schemas.openxmlformats.org/presentationml/2006/main">
-  <p:cSld>
-    <p:spTree>
-      <p:nvGrpSpPr>
-        <p:cNvPr id="1" name=""/>
-        <p:cNvGrpSpPr/>
-        <p:nvPr/>
-      </p:nvGrpSpPr>
-      <p:grpSpPr>
-        <a:xfrm>
-          <a:off x="0" y="0"/>
-          <a:ext cx="0" cy="0"/>
-          <a:chOff x="0" y="0"/>
-          <a:chExt cx="0" cy="0"/>
-        </a:xfrm>
-      </p:grpSpPr>
-      <p:sp>
-        <p:nvSpPr>
-          <p:cNvPr id="2" name="Title 1"/>
-          <p:cNvSpPr>
-            <a:spLocks noGrp="1"/>
-          </p:cNvSpPr>
-          <p:nvPr>
-            <p:ph type="title"/>
-          </p:nvPr>
-        </p:nvSpPr>
-        <p:spPr>
-          <a:xfrm>
-            <a:off x="722313" y="3305176"/>
-            <a:ext cx="7772400" cy="1021556"/>
-          </a:xfrm>
-        </p:spPr>
-        <p:txBody>
-          <a:bodyPr/>
-          <a:lstStyle/>
-          <a:p>
-            <a:pPr lvl="0" indent="0" marL="0">
-              <a:buNone/>
-            </a:pPr>
-            <a:r>
-              <a:rPr/>
-              <a:t>Care density</a:t>
-            </a:r>
-          </a:p>
-        </p:txBody>
-      </p:sp>
-    </p:spTree>
-  </p:cSld>
-</p:sld>
-</file>
-
-<file path=ppt/slides/slide17.xml><?xml version="1.0" encoding="utf-8"?>
-<p:sld xmlns:a="http://schemas.openxmlformats.org/drawingml/2006/main" xmlns:r="http://schemas.openxmlformats.org/officeDocument/2006/relationships" xmlns:p="http://schemas.openxmlformats.org/presentationml/2006/main">
-  <p:cSld>
-    <p:spTree>
-      <p:nvGrpSpPr>
-        <p:cNvPr id="1" name=""/>
-        <p:cNvGrpSpPr/>
-        <p:nvPr/>
-      </p:nvGrpSpPr>
-      <p:grpSpPr>
-        <a:xfrm>
-          <a:off x="0" y="0"/>
-          <a:ext cx="0" cy="0"/>
-          <a:chOff x="0" y="0"/>
-          <a:chExt cx="0" cy="0"/>
-        </a:xfrm>
-      </p:grpSpPr>
-      <p:sp>
-        <p:nvSpPr>
-          <p:cNvPr id="2" name="Title 1"/>
-          <p:cNvSpPr>
-            <a:spLocks noGrp="1"/>
-          </p:cNvSpPr>
-          <p:nvPr>
-            <p:ph type="title"/>
-          </p:nvPr>
-        </p:nvSpPr>
-        <p:spPr/>
-        <p:txBody>
-          <a:bodyPr/>
-          <a:lstStyle/>
-          <a:p>
-            <a:pPr lvl="0" indent="0" marL="0">
-              <a:buNone/>
-            </a:pPr>
-            <a:r>
-              <a:rPr/>
-              <a:t>Pollack et al</a:t>
-            </a:r>
-          </a:p>
-        </p:txBody>
-      </p:sp>
-      <p:sp>
-        <p:nvSpPr>
-          <p:cNvPr id="3" name="Content Placeholder 2"/>
-          <p:cNvSpPr>
-            <a:spLocks noGrp="1"/>
-          </p:cNvSpPr>
-          <p:nvPr>
-            <p:ph idx="1"/>
-          </p:nvPr>
-        </p:nvSpPr>
-        <p:spPr/>
-        <p:txBody>
-          <a:bodyPr/>
-          <a:lstStyle/>
-          <a:p>
-            <a:pPr lvl="0"/>
-            <a:r>
-              <a:rPr/>
-              <a:t>“To test whether patients whose providers frequently share patients with one another — what we term ‘care density’ — tend to have lower costs of care and likelihood of hospitalization.”</a:t>
-            </a:r>
-          </a:p>
-          <a:p>
-            <a:pPr lvl="0"/>
-            <a:r>
-              <a:rPr/>
-              <a:t>“9,596 patients with congestive heart failure (CHF) and 52,688 with diabetes who received care during 2009 - enrolled in five large, private insurance plans across the US covering employer-sponsored and Medicare Advantage enrollees”</a:t>
-            </a:r>
-          </a:p>
-        </p:txBody>
-      </p:sp>
-    </p:spTree>
-  </p:cSld>
-</p:sld>
-</file>
-
-<file path=ppt/slides/slide18.xml><?xml version="1.0" encoding="utf-8"?>
-<p:sld xmlns:a="http://schemas.openxmlformats.org/drawingml/2006/main" xmlns:r="http://schemas.openxmlformats.org/officeDocument/2006/relationships" xmlns:p="http://schemas.openxmlformats.org/presentationml/2006/main">
-  <p:cSld>
-    <p:spTree>
-      <p:nvGrpSpPr>
-        <p:cNvPr id="1" name=""/>
-        <p:cNvGrpSpPr/>
-        <p:nvPr/>
-      </p:nvGrpSpPr>
-      <p:grpSpPr>
-        <a:xfrm>
-          <a:off x="0" y="0"/>
-          <a:ext cx="0" cy="0"/>
-          <a:chOff x="0" y="0"/>
-          <a:chExt cx="0" cy="0"/>
-        </a:xfrm>
-      </p:grpSpPr>
-      <p:sp>
-        <p:nvSpPr>
-          <p:cNvPr id="2" name="Title 1"/>
-          <p:cNvSpPr>
-            <a:spLocks noGrp="1"/>
-          </p:cNvSpPr>
-          <p:nvPr>
-            <p:ph type="title"/>
-          </p:nvPr>
-        </p:nvSpPr>
-        <p:spPr>
-          <a:xfrm>
-            <a:off x="457201" y="204787"/>
-            <a:ext cx="3008313" cy="871538"/>
-          </a:xfrm>
-        </p:spPr>
-        <p:txBody>
-          <a:bodyPr/>
-          <a:lstStyle/>
-          <a:p>
-            <a:pPr lvl="0" indent="0" marL="0">
-              <a:buNone/>
-            </a:pPr>
-            <a:r>
-              <a:rPr/>
-              <a:t>What is the metric?</a:t>
-            </a:r>
-          </a:p>
-        </p:txBody>
-      </p:sp>
-      <p:sp>
-        <p:nvSpPr>
-          <p:cNvPr id="4" name="Text Placeholder 3"/>
-          <p:cNvSpPr>
-            <a:spLocks noGrp="1"/>
-          </p:cNvSpPr>
-          <p:nvPr>
-            <p:ph idx="2" sz="half" type="body"/>
-          </p:nvPr>
-        </p:nvSpPr>
-        <p:spPr/>
-        <p:txBody>
-          <a:bodyPr/>
-          <a:lstStyle/>
-          <a:p>
-            <a:pPr lvl="0" indent="0" marL="0">
-              <a:buNone/>
-            </a:pPr>
-            <a:r>
-              <a:rPr/>
-              <a:t>Where:</a:t>
-            </a:r>
-          </a:p>
-          <a:p>
-            <a:pPr lvl="0"/>
-            <a:r>
-              <a:rPr/>
-              <a:t>“n is the number of distinct doctors that patient p saw”</a:t>
-            </a:r>
-          </a:p>
-          <a:p>
-            <a:pPr lvl="0"/>
-            <a:r>
-              <a:rPr/>
-              <a:t>“m is the total number of possible pairs of doctors”</a:t>
-            </a:r>
-          </a:p>
-          <a:p>
-            <a:pPr lvl="0"/>
-            <a:r>
-              <a:rPr/>
-              <a:t>“w is the number of shared patients for each pair of doctors”</a:t>
-            </a:r>
-          </a:p>
-        </p:txBody>
-      </p:sp>
-      <p:pic>
-        <p:nvPicPr>
-          <p:cNvPr descr="assets/images/formula.png" id="0" name="Picture 1"/>
-          <p:cNvPicPr>
-            <a:picLocks noGrp="1" noChangeAspect="1"/>
-          </p:cNvPicPr>
-          <p:nvPr/>
-        </p:nvPicPr>
-        <p:blipFill>
-          <a:blip r:embed="rId2"/>
-          <a:stretch>
-            <a:fillRect/>
-          </a:stretch>
-        </p:blipFill>
-        <p:spPr bwMode="auto">
-          <a:xfrm>
-            <a:off x="3568700" y="1117600"/>
-            <a:ext cx="5105400" cy="2565400"/>
-          </a:xfrm>
-          <a:prstGeom prst="rect">
-            <a:avLst/>
-          </a:prstGeom>
-          <a:noFill/>
-          <a:ln w="9525">
-            <a:noFill/>
-            <a:headEnd/>
-            <a:tailEnd/>
-          </a:ln>
-        </p:spPr>
-      </p:pic>
-    </p:spTree>
-  </p:cSld>
-</p:sld>
-</file>
-
-<file path=ppt/slides/slide19.xml><?xml version="1.0" encoding="utf-8"?>
-<p:sld xmlns:a="http://schemas.openxmlformats.org/drawingml/2006/main" xmlns:r="http://schemas.openxmlformats.org/officeDocument/2006/relationships" xmlns:p="http://schemas.openxmlformats.org/presentationml/2006/main">
-  <p:cSld>
-    <p:spTree>
-      <p:nvGrpSpPr>
-        <p:cNvPr id="1" name=""/>
-        <p:cNvGrpSpPr/>
-        <p:nvPr/>
-      </p:nvGrpSpPr>
-      <p:grpSpPr>
-        <a:xfrm>
-          <a:off x="0" y="0"/>
-          <a:ext cx="0" cy="0"/>
-          <a:chOff x="0" y="0"/>
-          <a:chExt cx="0" cy="0"/>
-        </a:xfrm>
-      </p:grpSpPr>
-      <p:sp>
-        <p:nvSpPr>
-          <p:cNvPr id="2" name="Title 1"/>
-          <p:cNvSpPr>
-            <a:spLocks noGrp="1"/>
-          </p:cNvSpPr>
-          <p:nvPr>
-            <p:ph type="title"/>
-          </p:nvPr>
-        </p:nvSpPr>
-        <p:spPr/>
-        <p:txBody>
-          <a:bodyPr/>
-          <a:lstStyle/>
-          <a:p>
-            <a:pPr lvl="0" indent="0" marL="0">
-              <a:buNone/>
-            </a:pPr>
-            <a:r>
-              <a:rPr/>
-              <a:t>What is the metric1?</a:t>
-            </a:r>
-          </a:p>
-        </p:txBody>
-      </p:sp>
-      <p:sp>
-        <p:nvSpPr>
-          <p:cNvPr id="3" name="Content Placeholder 2"/>
-          <p:cNvSpPr>
-            <a:spLocks noGrp="1"/>
-          </p:cNvSpPr>
-          <p:nvPr>
-            <p:ph idx="1" sz="half"/>
-          </p:nvPr>
-        </p:nvSpPr>
-        <p:spPr/>
-        <p:txBody>
-          <a:bodyPr/>
-          <a:lstStyle/>
-          <a:p>
-            <a:pPr lvl="0" indent="0" marL="0">
-              <a:buNone/>
-            </a:pPr>
-            <a:r>
-              <a:rPr/>
-              <a:t>Where: - “n is the number of distinct doctors that patient p saw” - “m is the total number of possible pairs of doctors” - “w is the number of shared patients for each pair of doctors”</a:t>
-            </a:r>
-          </a:p>
-        </p:txBody>
-      </p:sp>
-      <p:pic>
-        <p:nvPicPr>
-          <p:cNvPr descr="assets/images/formula.png" id="0" name="Picture 1"/>
-          <p:cNvPicPr>
-            <a:picLocks noGrp="1" noChangeAspect="1"/>
-          </p:cNvPicPr>
-          <p:nvPr/>
-        </p:nvPicPr>
-        <p:blipFill>
-          <a:blip r:embed="rId2"/>
-          <a:stretch>
-            <a:fillRect/>
-          </a:stretch>
-        </p:blipFill>
-        <p:spPr bwMode="auto">
-          <a:xfrm>
-            <a:off x="4648200" y="1879600"/>
-            <a:ext cx="4038600" cy="2019300"/>
-          </a:xfrm>
-          <a:prstGeom prst="rect">
-            <a:avLst/>
-          </a:prstGeom>
-          <a:noFill/>
-          <a:ln w="9525">
-            <a:noFill/>
-            <a:headEnd/>
-            <a:tailEnd/>
-          </a:ln>
-        </p:spPr>
-      </p:pic>
-    </p:spTree>
-  </p:cSld>
-</p:sld>
-</file>
-
 <file path=ppt/slides/slide2.xml><?xml version="1.0" encoding="utf-8"?>
 <p:sld xmlns:a="http://schemas.openxmlformats.org/drawingml/2006/main" xmlns:r="http://schemas.openxmlformats.org/officeDocument/2006/relationships" xmlns:p="http://schemas.openxmlformats.org/presentationml/2006/main">
   <p:cSld>
@@ -4358,7 +4294,12 @@
             <p:ph type="title"/>
           </p:nvPr>
         </p:nvSpPr>
-        <p:spPr/>
+        <p:spPr>
+          <a:xfrm>
+            <a:off x="722313" y="3305176"/>
+            <a:ext cx="7772400" cy="1021556"/>
+          </a:xfrm>
+        </p:spPr>
         <p:txBody>
           <a:bodyPr/>
           <a:lstStyle/>
@@ -4368,7 +4309,54 @@
             </a:pPr>
             <a:r>
               <a:rPr/>
-              <a:t>More</a:t>
+              <a:t>Care density</a:t>
+            </a:r>
+          </a:p>
+        </p:txBody>
+      </p:sp>
+    </p:spTree>
+  </p:cSld>
+</p:sld>
+</file>
+
+<file path=ppt/slides/slide21.xml><?xml version="1.0" encoding="utf-8"?>
+<p:sld xmlns:a="http://schemas.openxmlformats.org/drawingml/2006/main" xmlns:r="http://schemas.openxmlformats.org/officeDocument/2006/relationships" xmlns:p="http://schemas.openxmlformats.org/presentationml/2006/main">
+  <p:cSld>
+    <p:spTree>
+      <p:nvGrpSpPr>
+        <p:cNvPr id="1" name=""/>
+        <p:cNvGrpSpPr/>
+        <p:nvPr/>
+      </p:nvGrpSpPr>
+      <p:grpSpPr>
+        <a:xfrm>
+          <a:off x="0" y="0"/>
+          <a:ext cx="0" cy="0"/>
+          <a:chOff x="0" y="0"/>
+          <a:chExt cx="0" cy="0"/>
+        </a:xfrm>
+      </p:grpSpPr>
+      <p:sp>
+        <p:nvSpPr>
+          <p:cNvPr id="2" name="Title 1"/>
+          <p:cNvSpPr>
+            <a:spLocks noGrp="1"/>
+          </p:cNvSpPr>
+          <p:nvPr>
+            <p:ph type="title"/>
+          </p:nvPr>
+        </p:nvSpPr>
+        <p:spPr/>
+        <p:txBody>
+          <a:bodyPr/>
+          <a:lstStyle/>
+          <a:p>
+            <a:pPr lvl="0" indent="0" marL="0">
+              <a:buNone/>
+            </a:pPr>
+            <a:r>
+              <a:rPr/>
+              <a:t>Pollack et al</a:t>
             </a:r>
           </a:p>
         </p:txBody>
@@ -4391,16 +4379,543 @@
             <a:pPr lvl="0"/>
             <a:r>
               <a:rPr/>
-              <a:t>Content</a:t>
-            </a:r>
-          </a:p>
+              <a:t>“To test whether patients whose providers frequently share patients with one another — what we term ‘care density’ — tend to have lower costs of care and likelihood of hospitalization.”</a:t>
+            </a:r>
+          </a:p>
+          <a:p>
+            <a:pPr lvl="0"/>
+            <a:r>
+              <a:rPr/>
+              <a:t>“9,596 patients with congestive heart failure (CHF) and 52,688 with diabetes who received care during 2009 - enrolled in five large, private insurance plans across the US covering employer-sponsored and Medicare Advantage enrollees”</a:t>
+            </a:r>
+          </a:p>
+        </p:txBody>
+      </p:sp>
+    </p:spTree>
+  </p:cSld>
+</p:sld>
+</file>
+
+<file path=ppt/slides/slide22.xml><?xml version="1.0" encoding="utf-8"?>
+<p:sld xmlns:a="http://schemas.openxmlformats.org/drawingml/2006/main" xmlns:r="http://schemas.openxmlformats.org/officeDocument/2006/relationships" xmlns:p="http://schemas.openxmlformats.org/presentationml/2006/main">
+  <p:cSld>
+    <p:spTree>
+      <p:nvGrpSpPr>
+        <p:cNvPr id="1" name=""/>
+        <p:cNvGrpSpPr/>
+        <p:nvPr/>
+      </p:nvGrpSpPr>
+      <p:grpSpPr>
+        <a:xfrm>
+          <a:off x="0" y="0"/>
+          <a:ext cx="0" cy="0"/>
+          <a:chOff x="0" y="0"/>
+          <a:chExt cx="0" cy="0"/>
+        </a:xfrm>
+      </p:grpSpPr>
+      <p:sp>
+        <p:nvSpPr>
+          <p:cNvPr id="2" name="Title 1"/>
+          <p:cNvSpPr>
+            <a:spLocks noGrp="1"/>
+          </p:cNvSpPr>
+          <p:nvPr>
+            <p:ph type="title"/>
+          </p:nvPr>
+        </p:nvSpPr>
+        <p:spPr/>
+        <p:txBody>
+          <a:bodyPr/>
+          <a:lstStyle/>
           <a:p>
             <a:pPr lvl="0" indent="0" marL="0">
               <a:buNone/>
             </a:pPr>
             <a:r>
               <a:rPr/>
-              <a:t>What is the distribution of weights in the provider-provider network? - What is the distribution of care density in our cohort? - For any of the above, do we observe variation between cancer types?</a:t>
+              <a:t>What is the metric - the formula?</a:t>
+            </a:r>
+          </a:p>
+        </p:txBody>
+      </p:sp>
+      <p:sp>
+        <p:nvSpPr>
+          <p:cNvPr id="3" name="Content Placeholder 2"/>
+          <p:cNvSpPr>
+            <a:spLocks noGrp="1"/>
+          </p:cNvSpPr>
+          <p:nvPr>
+            <p:ph idx="1" sz="half"/>
+          </p:nvPr>
+        </p:nvSpPr>
+        <p:spPr/>
+        <p:txBody>
+          <a:bodyPr/>
+          <a:lstStyle/>
+          <a:p>
+            <a:pPr lvl="0"/>
+            <a:r>
+              <a:rPr/>
+              <a:t>“Where n is the number of distinct doctors that patient p saw”</a:t>
+            </a:r>
+          </a:p>
+          <a:p>
+            <a:pPr lvl="0"/>
+            <a:r>
+              <a:rPr/>
+              <a:t>“m is the total number of possible pairs of doctors”</a:t>
+            </a:r>
+          </a:p>
+          <a:p>
+            <a:pPr lvl="0"/>
+            <a:r>
+              <a:rPr/>
+              <a:t>“w is the number of shared patients for each pair of doctors”</a:t>
+            </a:r>
+          </a:p>
+        </p:txBody>
+      </p:sp>
+      <p:pic>
+        <p:nvPicPr>
+          <p:cNvPr descr="assets/images/formula.png" id="0" name="Picture 1"/>
+          <p:cNvPicPr>
+            <a:picLocks noGrp="1" noChangeAspect="1"/>
+          </p:cNvPicPr>
+          <p:nvPr/>
+        </p:nvPicPr>
+        <p:blipFill>
+          <a:blip r:embed="rId2"/>
+          <a:stretch>
+            <a:fillRect/>
+          </a:stretch>
+        </p:blipFill>
+        <p:spPr bwMode="auto">
+          <a:xfrm>
+            <a:off x="4648200" y="1943100"/>
+            <a:ext cx="4038600" cy="1905000"/>
+          </a:xfrm>
+          <a:prstGeom prst="rect">
+            <a:avLst/>
+          </a:prstGeom>
+          <a:noFill/>
+          <a:ln w="9525">
+            <a:noFill/>
+            <a:headEnd/>
+            <a:tailEnd/>
+          </a:ln>
+        </p:spPr>
+      </p:pic>
+    </p:spTree>
+  </p:cSld>
+</p:sld>
+</file>
+
+<file path=ppt/slides/slide23.xml><?xml version="1.0" encoding="utf-8"?>
+<p:sld xmlns:a="http://schemas.openxmlformats.org/drawingml/2006/main" xmlns:r="http://schemas.openxmlformats.org/officeDocument/2006/relationships" xmlns:p="http://schemas.openxmlformats.org/presentationml/2006/main">
+  <p:cSld>
+    <p:spTree>
+      <p:nvGrpSpPr>
+        <p:cNvPr id="1" name=""/>
+        <p:cNvGrpSpPr/>
+        <p:nvPr/>
+      </p:nvGrpSpPr>
+      <p:grpSpPr>
+        <a:xfrm>
+          <a:off x="0" y="0"/>
+          <a:ext cx="0" cy="0"/>
+          <a:chOff x="0" y="0"/>
+          <a:chExt cx="0" cy="0"/>
+        </a:xfrm>
+      </p:grpSpPr>
+      <p:sp>
+        <p:nvSpPr>
+          <p:cNvPr id="2" name="Title 1"/>
+          <p:cNvSpPr>
+            <a:spLocks noGrp="1"/>
+          </p:cNvSpPr>
+          <p:nvPr>
+            <p:ph type="title"/>
+          </p:nvPr>
+        </p:nvSpPr>
+        <p:spPr/>
+        <p:txBody>
+          <a:bodyPr/>
+          <a:lstStyle/>
+          <a:p>
+            <a:pPr lvl="0" indent="0" marL="0">
+              <a:buNone/>
+            </a:pPr>
+            <a:r>
+              <a:rPr/>
+              <a:t>Simple example</a:t>
+            </a:r>
+          </a:p>
+        </p:txBody>
+      </p:sp>
+      <p:sp>
+        <p:nvSpPr>
+          <p:cNvPr id="3" name="Content Placeholder 2"/>
+          <p:cNvSpPr>
+            <a:spLocks noGrp="1"/>
+          </p:cNvSpPr>
+          <p:nvPr>
+            <p:ph idx="1" sz="half"/>
+          </p:nvPr>
+        </p:nvSpPr>
+        <p:spPr/>
+        <p:txBody>
+          <a:bodyPr/>
+          <a:lstStyle/>
+          <a:p>
+            <a:pPr lvl="0"/>
+            <a:r>
+              <a:rPr/>
+              <a:t>“The numerator is the total number of instances of patient sharing over a time period (e.g. a year) among a patient’s doctors. The denominator is the total number of pairs of doctors for that patient.”</a:t>
+            </a:r>
+          </a:p>
+        </p:txBody>
+      </p:sp>
+      <p:pic>
+        <p:nvPicPr>
+          <p:cNvPr descr="assets/images/network.png" id="0" name="Picture 1"/>
+          <p:cNvPicPr>
+            <a:picLocks noGrp="1" noChangeAspect="1"/>
+          </p:cNvPicPr>
+          <p:nvPr/>
+        </p:nvPicPr>
+        <p:blipFill>
+          <a:blip r:embed="rId2"/>
+          <a:stretch>
+            <a:fillRect/>
+          </a:stretch>
+        </p:blipFill>
+        <p:spPr bwMode="auto">
+          <a:xfrm>
+            <a:off x="4724400" y="1193800"/>
+            <a:ext cx="3886200" cy="3390900"/>
+          </a:xfrm>
+          <a:prstGeom prst="rect">
+            <a:avLst/>
+          </a:prstGeom>
+          <a:noFill/>
+          <a:ln w="9525">
+            <a:noFill/>
+            <a:headEnd/>
+            <a:tailEnd/>
+          </a:ln>
+        </p:spPr>
+      </p:pic>
+    </p:spTree>
+  </p:cSld>
+</p:sld>
+</file>
+
+<file path=ppt/slides/slide24.xml><?xml version="1.0" encoding="utf-8"?>
+<p:sld xmlns:a="http://schemas.openxmlformats.org/drawingml/2006/main" xmlns:r="http://schemas.openxmlformats.org/officeDocument/2006/relationships" xmlns:p="http://schemas.openxmlformats.org/presentationml/2006/main">
+  <p:cSld>
+    <p:spTree>
+      <p:nvGrpSpPr>
+        <p:cNvPr id="1" name=""/>
+        <p:cNvGrpSpPr/>
+        <p:nvPr/>
+      </p:nvGrpSpPr>
+      <p:grpSpPr>
+        <a:xfrm>
+          <a:off x="0" y="0"/>
+          <a:ext cx="0" cy="0"/>
+          <a:chOff x="0" y="0"/>
+          <a:chExt cx="0" cy="0"/>
+        </a:xfrm>
+      </p:grpSpPr>
+      <p:sp>
+        <p:nvSpPr>
+          <p:cNvPr id="2" name="Title 1"/>
+          <p:cNvSpPr>
+            <a:spLocks noGrp="1"/>
+          </p:cNvSpPr>
+          <p:nvPr>
+            <p:ph type="title"/>
+          </p:nvPr>
+        </p:nvSpPr>
+        <p:spPr/>
+        <p:txBody>
+          <a:bodyPr/>
+          <a:lstStyle/>
+          <a:p>
+            <a:pPr lvl="0" indent="0" marL="0">
+              <a:buNone/>
+            </a:pPr>
+            <a:r>
+              <a:rPr/>
+              <a:t>Findings 1</a:t>
+            </a:r>
+          </a:p>
+        </p:txBody>
+      </p:sp>
+      <p:sp>
+        <p:nvSpPr>
+          <p:cNvPr id="3" name="Content Placeholder 2"/>
+          <p:cNvSpPr>
+            <a:spLocks noGrp="1"/>
+          </p:cNvSpPr>
+          <p:nvPr>
+            <p:ph idx="1"/>
+          </p:nvPr>
+        </p:nvSpPr>
+        <p:spPr/>
+        <p:txBody>
+          <a:bodyPr/>
+          <a:lstStyle/>
+          <a:p>
+            <a:pPr lvl="0"/>
+            <a:r>
+              <a:rPr/>
+              <a:t>“CHF and diabetes patients receiving care from doctors with higher levels of shared patients (i.e. higher care density) had significantly lower total and inpatient costs and rates of hospitalization.”</a:t>
+            </a:r>
+          </a:p>
+          <a:p>
+            <a:pPr lvl="0"/>
+            <a:r>
+              <a:rPr/>
+              <a:t>“…high care density was associated with a $3,310 reduction in total costs compared to the lowest tertile (p&lt;0.001).”</a:t>
+            </a:r>
+          </a:p>
+        </p:txBody>
+      </p:sp>
+    </p:spTree>
+  </p:cSld>
+</p:sld>
+</file>
+
+<file path=ppt/slides/slide25.xml><?xml version="1.0" encoding="utf-8"?>
+<p:sld xmlns:a="http://schemas.openxmlformats.org/drawingml/2006/main" xmlns:r="http://schemas.openxmlformats.org/officeDocument/2006/relationships" xmlns:p="http://schemas.openxmlformats.org/presentationml/2006/main">
+  <p:cSld>
+    <p:spTree>
+      <p:nvGrpSpPr>
+        <p:cNvPr id="1" name=""/>
+        <p:cNvGrpSpPr/>
+        <p:nvPr/>
+      </p:nvGrpSpPr>
+      <p:grpSpPr>
+        <a:xfrm>
+          <a:off x="0" y="0"/>
+          <a:ext cx="0" cy="0"/>
+          <a:chOff x="0" y="0"/>
+          <a:chExt cx="0" cy="0"/>
+        </a:xfrm>
+      </p:grpSpPr>
+      <p:sp>
+        <p:nvSpPr>
+          <p:cNvPr id="2" name="Title 1"/>
+          <p:cNvSpPr>
+            <a:spLocks noGrp="1"/>
+          </p:cNvSpPr>
+          <p:nvPr>
+            <p:ph type="title"/>
+          </p:nvPr>
+        </p:nvSpPr>
+        <p:spPr/>
+        <p:txBody>
+          <a:bodyPr/>
+          <a:lstStyle/>
+          <a:p>
+            <a:pPr lvl="0" indent="0" marL="0">
+              <a:buNone/>
+            </a:pPr>
+            <a:r>
+              <a:rPr/>
+              <a:t>Findings 2</a:t>
+            </a:r>
+          </a:p>
+        </p:txBody>
+      </p:sp>
+      <p:sp>
+        <p:nvSpPr>
+          <p:cNvPr id="3" name="Content Placeholder 2"/>
+          <p:cNvSpPr>
+            <a:spLocks noGrp="1"/>
+          </p:cNvSpPr>
+          <p:nvPr>
+            <p:ph idx="1"/>
+          </p:nvPr>
+        </p:nvSpPr>
+        <p:spPr/>
+        <p:txBody>
+          <a:bodyPr/>
+          <a:lstStyle/>
+          <a:p>
+            <a:pPr lvl="0"/>
+            <a:r>
+              <a:rPr/>
+              <a:t>“…associated with significantly lower inpatient costs ($2,563, p=0.001) but not lower outpatient or pharmacy costs.”</a:t>
+            </a:r>
+          </a:p>
+          <a:p>
+            <a:pPr lvl="0"/>
+            <a:r>
+              <a:rPr/>
+              <a:t>“The adjusted annual rate of hospitalization for the high care density group was 83.4% of the rate in the low density group (p&lt;0.001).”</a:t>
+            </a:r>
+          </a:p>
+          <a:p>
+            <a:pPr lvl="0"/>
+            <a:r>
+              <a:rPr/>
+              <a:t>“We observed a low correlation between care density and existing measures that assess visit concentration and fragmentation. This suggests that care density may measure a unique aspect of care that is not captured by existing measures.”</a:t>
+            </a:r>
+          </a:p>
+        </p:txBody>
+      </p:sp>
+    </p:spTree>
+  </p:cSld>
+</p:sld>
+</file>
+
+<file path=ppt/slides/slide26.xml><?xml version="1.0" encoding="utf-8"?>
+<p:sld xmlns:a="http://schemas.openxmlformats.org/drawingml/2006/main" xmlns:r="http://schemas.openxmlformats.org/officeDocument/2006/relationships" xmlns:p="http://schemas.openxmlformats.org/presentationml/2006/main">
+  <p:cSld>
+    <p:spTree>
+      <p:nvGrpSpPr>
+        <p:cNvPr id="1" name=""/>
+        <p:cNvGrpSpPr/>
+        <p:nvPr/>
+      </p:nvGrpSpPr>
+      <p:grpSpPr>
+        <a:xfrm>
+          <a:off x="0" y="0"/>
+          <a:ext cx="0" cy="0"/>
+          <a:chOff x="0" y="0"/>
+          <a:chExt cx="0" cy="0"/>
+        </a:xfrm>
+      </p:grpSpPr>
+      <p:sp>
+        <p:nvSpPr>
+          <p:cNvPr id="2" name="Title 1"/>
+          <p:cNvSpPr>
+            <a:spLocks noGrp="1"/>
+          </p:cNvSpPr>
+          <p:nvPr>
+            <p:ph type="title"/>
+          </p:nvPr>
+        </p:nvSpPr>
+        <p:spPr/>
+        <p:txBody>
+          <a:bodyPr/>
+          <a:lstStyle/>
+          <a:p>
+            <a:pPr lvl="0" indent="0" marL="0">
+              <a:buNone/>
+            </a:pPr>
+            <a:r>
+              <a:rPr/>
+              <a:t>Limitations 1</a:t>
+            </a:r>
+          </a:p>
+        </p:txBody>
+      </p:sp>
+      <p:sp>
+        <p:nvSpPr>
+          <p:cNvPr id="3" name="Content Placeholder 2"/>
+          <p:cNvSpPr>
+            <a:spLocks noGrp="1"/>
+          </p:cNvSpPr>
+          <p:nvPr>
+            <p:ph idx="1"/>
+          </p:nvPr>
+        </p:nvSpPr>
+        <p:spPr/>
+        <p:txBody>
+          <a:bodyPr/>
+          <a:lstStyle/>
+          <a:p>
+            <a:pPr lvl="0"/>
+            <a:r>
+              <a:rPr/>
+              <a:t>“First, as with all claims-based measures of coordination, we are unable to evaluate whether care was truly coordinated for a given patient.”</a:t>
+            </a:r>
+          </a:p>
+          <a:p>
+            <a:pPr lvl="0"/>
+            <a:r>
+              <a:rPr/>
+              <a:t>“Second, although we applied a well-tested case-mix adjustment methodology, we were unable to assess the severity of the clinical conditions (e.g. ejection fraction in CHF and hemoglobin A1c in diabetes).”</a:t>
+            </a:r>
+          </a:p>
+        </p:txBody>
+      </p:sp>
+    </p:spTree>
+  </p:cSld>
+</p:sld>
+</file>
+
+<file path=ppt/slides/slide27.xml><?xml version="1.0" encoding="utf-8"?>
+<p:sld xmlns:a="http://schemas.openxmlformats.org/drawingml/2006/main" xmlns:r="http://schemas.openxmlformats.org/officeDocument/2006/relationships" xmlns:p="http://schemas.openxmlformats.org/presentationml/2006/main">
+  <p:cSld>
+    <p:spTree>
+      <p:nvGrpSpPr>
+        <p:cNvPr id="1" name=""/>
+        <p:cNvGrpSpPr/>
+        <p:nvPr/>
+      </p:nvGrpSpPr>
+      <p:grpSpPr>
+        <a:xfrm>
+          <a:off x="0" y="0"/>
+          <a:ext cx="0" cy="0"/>
+          <a:chOff x="0" y="0"/>
+          <a:chExt cx="0" cy="0"/>
+        </a:xfrm>
+      </p:grpSpPr>
+      <p:sp>
+        <p:nvSpPr>
+          <p:cNvPr id="2" name="Title 1"/>
+          <p:cNvSpPr>
+            <a:spLocks noGrp="1"/>
+          </p:cNvSpPr>
+          <p:nvPr>
+            <p:ph type="title"/>
+          </p:nvPr>
+        </p:nvSpPr>
+        <p:spPr/>
+        <p:txBody>
+          <a:bodyPr/>
+          <a:lstStyle/>
+          <a:p>
+            <a:pPr lvl="0" indent="0" marL="0">
+              <a:buNone/>
+            </a:pPr>
+            <a:r>
+              <a:rPr/>
+              <a:t>Limitations 2</a:t>
+            </a:r>
+          </a:p>
+        </p:txBody>
+      </p:sp>
+      <p:sp>
+        <p:nvSpPr>
+          <p:cNvPr id="3" name="Content Placeholder 2"/>
+          <p:cNvSpPr>
+            <a:spLocks noGrp="1"/>
+          </p:cNvSpPr>
+          <p:nvPr>
+            <p:ph idx="1"/>
+          </p:nvPr>
+        </p:nvSpPr>
+        <p:spPr/>
+        <p:txBody>
+          <a:bodyPr/>
+          <a:lstStyle/>
+          <a:p>
+            <a:pPr lvl="0"/>
+            <a:r>
+              <a:rPr/>
+              <a:t>“Third, we were unable to determine structural features of the relationships between physicians (e.g. being members of a group practice or IPA).</a:t>
+            </a:r>
+          </a:p>
+          <a:p>
+            <a:pPr lvl="0"/>
+            <a:r>
+              <a:rPr/>
+              <a:t>“Fourth, we relied on total costs as the primary outcome measure as claims data are limited in their ability to attribute costs to particular conditions.”</a:t>
             </a:r>
           </a:p>
         </p:txBody>
@@ -4608,7 +5123,12 @@
             <p:ph type="title"/>
           </p:nvPr>
         </p:nvSpPr>
-        <p:spPr/>
+        <p:spPr>
+          <a:xfrm>
+            <a:off x="722313" y="3305176"/>
+            <a:ext cx="7772400" cy="1021556"/>
+          </a:xfrm>
+        </p:spPr>
         <p:txBody>
           <a:bodyPr/>
           <a:lstStyle/>
@@ -4618,37 +5138,7 @@
             </a:pPr>
             <a:r>
               <a:rPr/>
-              <a:t>What is the distribution of weights in the provider-provider network?</a:t>
-            </a:r>
-          </a:p>
-        </p:txBody>
-      </p:sp>
-      <p:sp>
-        <p:nvSpPr>
-          <p:cNvPr id="3" name="Content Placeholder 2"/>
-          <p:cNvSpPr>
-            <a:spLocks noGrp="1"/>
-          </p:cNvSpPr>
-          <p:nvPr>
-            <p:ph idx="1"/>
-          </p:nvPr>
-        </p:nvSpPr>
-        <p:spPr/>
-        <p:txBody>
-          <a:bodyPr/>
-          <a:lstStyle/>
-          <a:p>
-            <a:pPr lvl="0"/>
-            <a:r>
-              <a:rPr/>
-              <a:t>What is the distribution of care density in our cohort?</a:t>
-            </a:r>
-          </a:p>
-          <a:p>
-            <a:pPr lvl="0"/>
-            <a:r>
-              <a:rPr/>
-              <a:t>For any of the above, do we observe variation between cancer types?</a:t>
+              <a:t>Table 1</a:t>
             </a:r>
           </a:p>
         </p:txBody>
@@ -4685,26 +5175,51 @@
             <p:ph type="title"/>
           </p:nvPr>
         </p:nvSpPr>
-        <p:spPr>
+        <p:spPr/>
+        <p:txBody>
+          <a:bodyPr/>
+          <a:lstStyle/>
+          <a:p>
+            <a:pPr lvl="0" indent="0" marL="0">
+              <a:buNone/>
+            </a:pPr>
+            <a:r>
+              <a:rPr/>
+              <a:t>Table 1(a)</a:t>
+            </a:r>
+          </a:p>
+        </p:txBody>
+      </p:sp>
+      <p:pic>
+        <p:nvPicPr>
+          <p:cNvPr descr="assets/images/table1-1.png" id="0" name="Picture 1"/>
+          <p:cNvPicPr>
+            <a:picLocks noGrp="1" noChangeAspect="1"/>
+          </p:cNvPicPr>
+          <p:nvPr/>
+        </p:nvPicPr>
+        <p:blipFill>
+          <a:blip r:embed="rId2"/>
+          <a:stretch>
+            <a:fillRect/>
+          </a:stretch>
+        </p:blipFill>
+        <p:spPr bwMode="auto">
           <a:xfrm>
-            <a:off x="722313" y="3305176"/>
-            <a:ext cx="7772400" cy="1021556"/>
+            <a:off x="2755900" y="1193800"/>
+            <a:ext cx="3632200" cy="3390900"/>
           </a:xfrm>
+          <a:prstGeom prst="rect">
+            <a:avLst/>
+          </a:prstGeom>
+          <a:noFill/>
+          <a:ln w="9525">
+            <a:noFill/>
+            <a:headEnd/>
+            <a:tailEnd/>
+          </a:ln>
         </p:spPr>
-        <p:txBody>
-          <a:bodyPr/>
-          <a:lstStyle/>
-          <a:p>
-            <a:pPr lvl="0" indent="0" marL="0">
-              <a:buNone/>
-            </a:pPr>
-            <a:r>
-              <a:rPr/>
-              <a:t>Zip codes as a proxy for geographic dispersion</a:t>
-            </a:r>
-          </a:p>
-        </p:txBody>
-      </p:sp>
+      </p:pic>
     </p:spTree>
   </p:cSld>
 </p:sld>
@@ -4747,48 +5262,41 @@
             </a:pPr>
             <a:r>
               <a:rPr/>
-              <a:t>Motivation &amp; Logic</a:t>
-            </a:r>
-          </a:p>
-        </p:txBody>
-      </p:sp>
-      <p:sp>
-        <p:nvSpPr>
-          <p:cNvPr id="3" name="Content Placeholder 2"/>
-          <p:cNvSpPr>
-            <a:spLocks noGrp="1"/>
-          </p:cNvSpPr>
-          <p:nvPr>
-            <p:ph idx="1"/>
-          </p:nvPr>
-        </p:nvSpPr>
-        <p:spPr/>
-        <p:txBody>
-          <a:bodyPr/>
-          <a:lstStyle/>
-          <a:p>
-            <a:pPr lvl="0"/>
-            <a:r>
-              <a:rPr/>
-              <a:t>Get a rough approximation of dispersion of patients in the network using the number of zipcode they have encounters in.</a:t>
-            </a:r>
-          </a:p>
-          <a:p>
-            <a:pPr lvl="0"/>
-            <a:r>
-              <a:rPr/>
-              <a:t>By patient ID, how many unique zip code strings are observed?</a:t>
-            </a:r>
-          </a:p>
-          <a:p>
-            <a:pPr lvl="0"/>
-            <a:r>
-              <a:rPr/>
-              <a:t>We observe a skewed distribution ranging from ???.</a:t>
-            </a:r>
-          </a:p>
-        </p:txBody>
-      </p:sp>
+              <a:t>Table 2(b)</a:t>
+            </a:r>
+          </a:p>
+        </p:txBody>
+      </p:sp>
+      <p:pic>
+        <p:nvPicPr>
+          <p:cNvPr descr="assets/images/table1-2.png" id="0" name="Picture 1"/>
+          <p:cNvPicPr>
+            <a:picLocks noGrp="1" noChangeAspect="1"/>
+          </p:cNvPicPr>
+          <p:nvPr/>
+        </p:nvPicPr>
+        <p:blipFill>
+          <a:blip r:embed="rId2"/>
+          <a:stretch>
+            <a:fillRect/>
+          </a:stretch>
+        </p:blipFill>
+        <p:spPr bwMode="auto">
+          <a:xfrm>
+            <a:off x="2603500" y="1193800"/>
+            <a:ext cx="3924300" cy="3390900"/>
+          </a:xfrm>
+          <a:prstGeom prst="rect">
+            <a:avLst/>
+          </a:prstGeom>
+          <a:noFill/>
+          <a:ln w="9525">
+            <a:noFill/>
+            <a:headEnd/>
+            <a:tailEnd/>
+          </a:ln>
+        </p:spPr>
+      </p:pic>
     </p:spTree>
   </p:cSld>
 </p:sld>
@@ -4823,8 +5331,8 @@
         </p:nvSpPr>
         <p:spPr>
           <a:xfrm>
-            <a:off x="457201" y="204787"/>
-            <a:ext cx="3008313" cy="871538"/>
+            <a:off x="722313" y="3305176"/>
+            <a:ext cx="7772400" cy="1021556"/>
           </a:xfrm>
         </p:spPr>
         <p:txBody>
@@ -4836,64 +5344,11 @@
             </a:pPr>
             <a:r>
               <a:rPr/>
-              <a:t>Histogram of zip codes by patient</a:t>
-            </a:r>
-          </a:p>
-        </p:txBody>
-      </p:sp>
-      <p:sp>
-        <p:nvSpPr>
-          <p:cNvPr id="4" name="Text Placeholder 3"/>
-          <p:cNvSpPr>
-            <a:spLocks noGrp="1"/>
-          </p:cNvSpPr>
-          <p:nvPr>
-            <p:ph idx="2" sz="half" type="body"/>
-          </p:nvPr>
-        </p:nvSpPr>
-        <p:spPr/>
-        <p:txBody>
-          <a:bodyPr/>
-          <a:lstStyle/>
-          <a:p>
-            <a:pPr lvl="0"/>
-            <a:r>
-              <a:rPr/>
-              <a:t>What the here</a:t>
-            </a:r>
-          </a:p>
-        </p:txBody>
-      </p:sp>
-      <p:pic>
-        <p:nvPicPr>
-          <p:cNvPr descr="assets/test.png" id="0" name="Picture 1"/>
-          <p:cNvPicPr>
-            <a:picLocks noGrp="1" noChangeAspect="1"/>
-          </p:cNvPicPr>
-          <p:nvPr/>
-        </p:nvPicPr>
-        <p:blipFill>
-          <a:blip r:embed="rId2"/>
-          <a:stretch>
-            <a:fillRect/>
-          </a:stretch>
-        </p:blipFill>
-        <p:spPr bwMode="auto">
-          <a:xfrm>
-            <a:off x="3568700" y="508000"/>
-            <a:ext cx="5105400" cy="3784600"/>
-          </a:xfrm>
-          <a:prstGeom prst="rect">
-            <a:avLst/>
-          </a:prstGeom>
-          <a:noFill/>
-          <a:ln w="9525">
-            <a:noFill/>
-            <a:headEnd/>
-            <a:tailEnd/>
-          </a:ln>
-        </p:spPr>
-      </p:pic>
+              <a:t>The network</a:t>
+            </a:r>
+          </a:p>
+        </p:txBody>
+      </p:sp>
     </p:spTree>
   </p:cSld>
 </p:sld>
@@ -4926,12 +5381,7 @@
             <p:ph type="title"/>
           </p:nvPr>
         </p:nvSpPr>
-        <p:spPr>
-          <a:xfrm>
-            <a:off x="722313" y="3305176"/>
-            <a:ext cx="7772400" cy="1021556"/>
-          </a:xfrm>
-        </p:spPr>
+        <p:spPr/>
         <p:txBody>
           <a:bodyPr/>
           <a:lstStyle/>
@@ -4941,7 +5391,37 @@
             </a:pPr>
             <a:r>
               <a:rPr/>
-              <a:t>Care-team variables of interest</a:t>
+              <a:t>What is the distribution of weights in the provider-provider network?</a:t>
+            </a:r>
+          </a:p>
+        </p:txBody>
+      </p:sp>
+      <p:sp>
+        <p:nvSpPr>
+          <p:cNvPr id="3" name="Content Placeholder 2"/>
+          <p:cNvSpPr>
+            <a:spLocks noGrp="1"/>
+          </p:cNvSpPr>
+          <p:nvPr>
+            <p:ph idx="1"/>
+          </p:nvPr>
+        </p:nvSpPr>
+        <p:spPr/>
+        <p:txBody>
+          <a:bodyPr/>
+          <a:lstStyle/>
+          <a:p>
+            <a:pPr lvl="0"/>
+            <a:r>
+              <a:rPr/>
+              <a:t>What is the distribution of care density in our cohort?</a:t>
+            </a:r>
+          </a:p>
+          <a:p>
+            <a:pPr lvl="0"/>
+            <a:r>
+              <a:rPr/>
+              <a:t>For any of the above, do we observe variation between cancer types?</a:t>
             </a:r>
           </a:p>
         </p:txBody>

--- a/Rotation1/Rotation1.pptx
+++ b/Rotation1/Rotation1.pptx
@@ -32,6 +32,12 @@
     <p:sldId id="280" r:id="rId26"/>
     <p:sldId id="281" r:id="rId27"/>
     <p:sldId id="282" r:id="rId28"/>
+    <p:sldId id="283" r:id="rId29"/>
+    <p:sldId id="284" r:id="rId30"/>
+    <p:sldId id="285" r:id="rId31"/>
+    <p:sldId id="286" r:id="rId32"/>
+    <p:sldId id="287" r:id="rId33"/>
+    <p:sldId id="288" r:id="rId34"/>
   </p:sldIdLst>
   <p:sldSz cx="9144000" cy="5143500" type="screen16x9"/>
   <p:notesSz cx="6858000" cy="9144000"/>
@@ -3569,7 +3575,14 @@
             <a:pPr lvl="0"/>
             <a:r>
               <a:rPr/>
-              <a:t>What the here</a:t>
+              <a:t>Will see more on care density later</a:t>
+            </a:r>
+          </a:p>
+          <a:p>
+            <a:pPr lvl="0"/>
+            <a:r>
+              <a:rPr/>
+              <a:t>Number of zip codes range from 1-7</a:t>
             </a:r>
           </a:p>
         </p:txBody>
@@ -4925,6 +4938,165 @@
 </p:sld>
 </file>
 
+<file path=ppt/slides/slide28.xml><?xml version="1.0" encoding="utf-8"?>
+<p:sld xmlns:a="http://schemas.openxmlformats.org/drawingml/2006/main" xmlns:r="http://schemas.openxmlformats.org/officeDocument/2006/relationships" xmlns:p="http://schemas.openxmlformats.org/presentationml/2006/main">
+  <p:cSld>
+    <p:spTree>
+      <p:nvGrpSpPr>
+        <p:cNvPr id="1" name=""/>
+        <p:cNvGrpSpPr/>
+        <p:nvPr/>
+      </p:nvGrpSpPr>
+      <p:grpSpPr>
+        <a:xfrm>
+          <a:off x="0" y="0"/>
+          <a:ext cx="0" cy="0"/>
+          <a:chOff x="0" y="0"/>
+          <a:chExt cx="0" cy="0"/>
+        </a:xfrm>
+      </p:grpSpPr>
+      <p:sp>
+        <p:nvSpPr>
+          <p:cNvPr id="2" name="Title 1"/>
+          <p:cNvSpPr>
+            <a:spLocks noGrp="1"/>
+          </p:cNvSpPr>
+          <p:nvPr>
+            <p:ph type="title"/>
+          </p:nvPr>
+        </p:nvSpPr>
+        <p:spPr>
+          <a:xfrm>
+            <a:off x="722313" y="3305176"/>
+            <a:ext cx="7772400" cy="1021556"/>
+          </a:xfrm>
+        </p:spPr>
+        <p:txBody>
+          <a:bodyPr/>
+          <a:lstStyle/>
+          <a:p>
+            <a:pPr lvl="0" indent="0" marL="0">
+              <a:buNone/>
+            </a:pPr>
+            <a:r>
+              <a:rPr/>
+              <a:t>Care Density in our study</a:t>
+            </a:r>
+          </a:p>
+        </p:txBody>
+      </p:sp>
+    </p:spTree>
+  </p:cSld>
+</p:sld>
+</file>
+
+<file path=ppt/slides/slide29.xml><?xml version="1.0" encoding="utf-8"?>
+<p:sld xmlns:a="http://schemas.openxmlformats.org/drawingml/2006/main" xmlns:r="http://schemas.openxmlformats.org/officeDocument/2006/relationships" xmlns:p="http://schemas.openxmlformats.org/presentationml/2006/main">
+  <p:cSld>
+    <p:spTree>
+      <p:nvGrpSpPr>
+        <p:cNvPr id="1" name=""/>
+        <p:cNvGrpSpPr/>
+        <p:nvPr/>
+      </p:nvGrpSpPr>
+      <p:grpSpPr>
+        <a:xfrm>
+          <a:off x="0" y="0"/>
+          <a:ext cx="0" cy="0"/>
+          <a:chOff x="0" y="0"/>
+          <a:chExt cx="0" cy="0"/>
+        </a:xfrm>
+      </p:grpSpPr>
+      <p:sp>
+        <p:nvSpPr>
+          <p:cNvPr id="2" name="Title 1"/>
+          <p:cNvSpPr>
+            <a:spLocks noGrp="1"/>
+          </p:cNvSpPr>
+          <p:nvPr>
+            <p:ph type="title"/>
+          </p:nvPr>
+        </p:nvSpPr>
+        <p:spPr/>
+        <p:txBody>
+          <a:bodyPr/>
+          <a:lstStyle/>
+          <a:p>
+            <a:pPr lvl="0" indent="0" marL="0">
+              <a:buNone/>
+            </a:pPr>
+            <a:r>
+              <a:rPr/>
+              <a:t>Care Density by diagnosis</a:t>
+            </a:r>
+          </a:p>
+        </p:txBody>
+      </p:sp>
+      <p:sp>
+        <p:nvSpPr>
+          <p:cNvPr id="3" name="Content Placeholder 2"/>
+          <p:cNvSpPr>
+            <a:spLocks noGrp="1"/>
+          </p:cNvSpPr>
+          <p:nvPr>
+            <p:ph idx="1" sz="half"/>
+          </p:nvPr>
+        </p:nvSpPr>
+        <p:spPr/>
+        <p:txBody>
+          <a:bodyPr/>
+          <a:lstStyle/>
+          <a:p>
+            <a:pPr lvl="0"/>
+            <a:r>
+              <a:rPr/>
+              <a:t>Skewed distribution</a:t>
+            </a:r>
+          </a:p>
+          <a:p>
+            <a:pPr lvl="0"/>
+            <a:r>
+              <a:rPr/>
+              <a:t>Similar overall shape</a:t>
+            </a:r>
+          </a:p>
+        </p:txBody>
+      </p:sp>
+      <p:pic>
+        <p:nvPicPr>
+          <p:cNvPr descr="assets/images/care-density.png" id="0" name="Picture 1"/>
+          <p:cNvPicPr>
+            <a:picLocks noGrp="1" noChangeAspect="1"/>
+          </p:cNvPicPr>
+          <p:nvPr/>
+        </p:nvPicPr>
+        <p:blipFill>
+          <a:blip r:embed="rId2"/>
+          <a:stretch>
+            <a:fillRect/>
+          </a:stretch>
+        </p:blipFill>
+        <p:spPr bwMode="auto">
+          <a:xfrm>
+            <a:off x="4648200" y="1511300"/>
+            <a:ext cx="4038600" cy="2755900"/>
+          </a:xfrm>
+          <a:prstGeom prst="rect">
+            <a:avLst/>
+          </a:prstGeom>
+          <a:noFill/>
+          <a:ln w="9525">
+            <a:noFill/>
+            <a:headEnd/>
+            <a:tailEnd/>
+          </a:ln>
+        </p:spPr>
+      </p:pic>
+    </p:spTree>
+  </p:cSld>
+</p:sld>
+</file>
+
 <file path=ppt/slides/slide3.xml><?xml version="1.0" encoding="utf-8"?>
 <p:sld xmlns:a="http://schemas.openxmlformats.org/drawingml/2006/main" xmlns:r="http://schemas.openxmlformats.org/officeDocument/2006/relationships" xmlns:p="http://schemas.openxmlformats.org/presentationml/2006/main">
   <p:cSld>
@@ -4972,6 +5144,377 @@
           </a:p>
         </p:txBody>
       </p:sp>
+    </p:spTree>
+  </p:cSld>
+</p:sld>
+</file>
+
+<file path=ppt/slides/slide30.xml><?xml version="1.0" encoding="utf-8"?>
+<p:sld xmlns:a="http://schemas.openxmlformats.org/drawingml/2006/main" xmlns:r="http://schemas.openxmlformats.org/officeDocument/2006/relationships" xmlns:p="http://schemas.openxmlformats.org/presentationml/2006/main">
+  <p:cSld>
+    <p:spTree>
+      <p:nvGrpSpPr>
+        <p:cNvPr id="1" name=""/>
+        <p:cNvGrpSpPr/>
+        <p:nvPr/>
+      </p:nvGrpSpPr>
+      <p:grpSpPr>
+        <a:xfrm>
+          <a:off x="0" y="0"/>
+          <a:ext cx="0" cy="0"/>
+          <a:chOff x="0" y="0"/>
+          <a:chExt cx="0" cy="0"/>
+        </a:xfrm>
+      </p:grpSpPr>
+      <p:sp>
+        <p:nvSpPr>
+          <p:cNvPr id="2" name="Title 1"/>
+          <p:cNvSpPr>
+            <a:spLocks noGrp="1"/>
+          </p:cNvSpPr>
+          <p:nvPr>
+            <p:ph type="title"/>
+          </p:nvPr>
+        </p:nvSpPr>
+        <p:spPr/>
+        <p:txBody>
+          <a:bodyPr/>
+          <a:lstStyle/>
+          <a:p>
+            <a:pPr lvl="0" indent="0" marL="0">
+              <a:buNone/>
+            </a:pPr>
+            <a:r>
+              <a:rPr/>
+              <a:t>Care Density by PCP in-network</a:t>
+            </a:r>
+          </a:p>
+        </p:txBody>
+      </p:sp>
+      <p:sp>
+        <p:nvSpPr>
+          <p:cNvPr id="3" name="Content Placeholder 2"/>
+          <p:cNvSpPr>
+            <a:spLocks noGrp="1"/>
+          </p:cNvSpPr>
+          <p:nvPr>
+            <p:ph idx="1" sz="half"/>
+          </p:nvPr>
+        </p:nvSpPr>
+        <p:spPr/>
+        <p:txBody>
+          <a:bodyPr/>
+          <a:lstStyle/>
+          <a:p>
+            <a:pPr lvl="0"/>
+            <a:r>
+              <a:rPr/>
+              <a:t>Skewed distribution</a:t>
+            </a:r>
+          </a:p>
+          <a:p>
+            <a:pPr lvl="0"/>
+            <a:r>
+              <a:rPr/>
+              <a:t>Similar overall shape</a:t>
+            </a:r>
+          </a:p>
+        </p:txBody>
+      </p:sp>
+      <p:pic>
+        <p:nvPicPr>
+          <p:cNvPr descr="assets/images/care-density-by-pcp-in-net.png" id="0" name="Picture 1"/>
+          <p:cNvPicPr>
+            <a:picLocks noGrp="1" noChangeAspect="1"/>
+          </p:cNvPicPr>
+          <p:nvPr/>
+        </p:nvPicPr>
+        <p:blipFill>
+          <a:blip r:embed="rId2"/>
+          <a:stretch>
+            <a:fillRect/>
+          </a:stretch>
+        </p:blipFill>
+        <p:spPr bwMode="auto">
+          <a:xfrm>
+            <a:off x="4648200" y="1473200"/>
+            <a:ext cx="4038600" cy="2832100"/>
+          </a:xfrm>
+          <a:prstGeom prst="rect">
+            <a:avLst/>
+          </a:prstGeom>
+          <a:noFill/>
+          <a:ln w="9525">
+            <a:noFill/>
+            <a:headEnd/>
+            <a:tailEnd/>
+          </a:ln>
+        </p:spPr>
+      </p:pic>
+    </p:spTree>
+  </p:cSld>
+</p:sld>
+</file>
+
+<file path=ppt/slides/slide31.xml><?xml version="1.0" encoding="utf-8"?>
+<p:sld xmlns:a="http://schemas.openxmlformats.org/drawingml/2006/main" xmlns:r="http://schemas.openxmlformats.org/officeDocument/2006/relationships" xmlns:p="http://schemas.openxmlformats.org/presentationml/2006/main">
+  <p:cSld>
+    <p:spTree>
+      <p:nvGrpSpPr>
+        <p:cNvPr id="1" name=""/>
+        <p:cNvGrpSpPr/>
+        <p:nvPr/>
+      </p:nvGrpSpPr>
+      <p:grpSpPr>
+        <a:xfrm>
+          <a:off x="0" y="0"/>
+          <a:ext cx="0" cy="0"/>
+          <a:chOff x="0" y="0"/>
+          <a:chExt cx="0" cy="0"/>
+        </a:xfrm>
+      </p:grpSpPr>
+      <p:sp>
+        <p:nvSpPr>
+          <p:cNvPr id="2" name="Title 1"/>
+          <p:cNvSpPr>
+            <a:spLocks noGrp="1"/>
+          </p:cNvSpPr>
+          <p:nvPr>
+            <p:ph type="title"/>
+          </p:nvPr>
+        </p:nvSpPr>
+        <p:spPr/>
+        <p:txBody>
+          <a:bodyPr/>
+          <a:lstStyle/>
+          <a:p>
+            <a:pPr lvl="0" indent="0" marL="0">
+              <a:buNone/>
+            </a:pPr>
+            <a:r>
+              <a:rPr/>
+              <a:t>Care Density by number of providers</a:t>
+            </a:r>
+          </a:p>
+        </p:txBody>
+      </p:sp>
+      <p:sp>
+        <p:nvSpPr>
+          <p:cNvPr id="3" name="Content Placeholder 2"/>
+          <p:cNvSpPr>
+            <a:spLocks noGrp="1"/>
+          </p:cNvSpPr>
+          <p:nvPr>
+            <p:ph idx="1"/>
+          </p:nvPr>
+        </p:nvSpPr>
+        <p:spPr/>
+        <p:txBody>
+          <a:bodyPr/>
+          <a:lstStyle/>
+          <a:p>
+            <a:pPr lvl="0"/>
+            <a:r>
+              <a:rPr/>
+              <a:t>Skewed distribution</a:t>
+            </a:r>
+          </a:p>
+          <a:p>
+            <a:pPr lvl="0"/>
+            <a:r>
+              <a:rPr/>
+              <a:t>Similar overall shape ::: {.column width=“35%”}</a:t>
+            </a:r>
+          </a:p>
+          <a:p>
+            <a:pPr lvl="0"/>
+            <a:r>
+              <a:rPr/>
+              <a:t>Here</a:t>
+            </a:r>
+          </a:p>
+          <a:p>
+            <a:pPr lvl="0"/>
+            <a:r>
+              <a:rPr/>
+              <a:t>There</a:t>
+            </a:r>
+          </a:p>
+          <a:p>
+            <a:pPr lvl="0"/>
+            <a:r>
+              <a:rPr/>
+              <a:t>Everywhere</a:t>
+            </a:r>
+          </a:p>
+        </p:txBody>
+      </p:sp>
+    </p:spTree>
+  </p:cSld>
+</p:sld>
+</file>
+
+<file path=ppt/slides/slide32.xml><?xml version="1.0" encoding="utf-8"?>
+<p:sld xmlns:a="http://schemas.openxmlformats.org/drawingml/2006/main" xmlns:r="http://schemas.openxmlformats.org/officeDocument/2006/relationships" xmlns:p="http://schemas.openxmlformats.org/presentationml/2006/main">
+  <p:cSld>
+    <p:spTree>
+      <p:nvGrpSpPr>
+        <p:cNvPr id="1" name=""/>
+        <p:cNvGrpSpPr/>
+        <p:nvPr/>
+      </p:nvGrpSpPr>
+      <p:grpSpPr>
+        <a:xfrm>
+          <a:off x="0" y="0"/>
+          <a:ext cx="0" cy="0"/>
+          <a:chOff x="0" y="0"/>
+          <a:chExt cx="0" cy="0"/>
+        </a:xfrm>
+      </p:grpSpPr>
+      <p:sp>
+        <p:nvSpPr>
+          <p:cNvPr id="3" name="Content Placeholder 2"/>
+          <p:cNvSpPr>
+            <a:spLocks noGrp="1"/>
+          </p:cNvSpPr>
+          <p:nvPr>
+            <p:ph idx="1"/>
+          </p:nvPr>
+        </p:nvSpPr>
+        <p:spPr/>
+        <p:txBody>
+          <a:bodyPr/>
+          <a:lstStyle/>
+          <a:p>
+            <a:pPr lvl="0" indent="0" marL="0">
+              <a:buNone/>
+            </a:pPr>
+          </a:p>
+          <a:p>
+            <a:pPr lvl="0" indent="0" marL="0">
+              <a:buNone/>
+            </a:pPr>
+            <a:r>
+              <a:rPr/>
+              <a:t>::::</a:t>
+            </a:r>
+          </a:p>
+        </p:txBody>
+      </p:sp>
+    </p:spTree>
+  </p:cSld>
+</p:sld>
+</file>
+
+<file path=ppt/slides/slide33.xml><?xml version="1.0" encoding="utf-8"?>
+<p:sld xmlns:a="http://schemas.openxmlformats.org/drawingml/2006/main" xmlns:r="http://schemas.openxmlformats.org/officeDocument/2006/relationships" xmlns:p="http://schemas.openxmlformats.org/presentationml/2006/main">
+  <p:cSld>
+    <p:spTree>
+      <p:nvGrpSpPr>
+        <p:cNvPr id="1" name=""/>
+        <p:cNvGrpSpPr/>
+        <p:nvPr/>
+      </p:nvGrpSpPr>
+      <p:grpSpPr>
+        <a:xfrm>
+          <a:off x="0" y="0"/>
+          <a:ext cx="0" cy="0"/>
+          <a:chOff x="0" y="0"/>
+          <a:chExt cx="0" cy="0"/>
+        </a:xfrm>
+      </p:grpSpPr>
+      <p:sp>
+        <p:nvSpPr>
+          <p:cNvPr id="2" name="Title 1"/>
+          <p:cNvSpPr>
+            <a:spLocks noGrp="1"/>
+          </p:cNvSpPr>
+          <p:nvPr>
+            <p:ph type="title"/>
+          </p:nvPr>
+        </p:nvSpPr>
+        <p:spPr/>
+        <p:txBody>
+          <a:bodyPr/>
+          <a:lstStyle/>
+          <a:p>
+            <a:pPr lvl="0" indent="0" marL="0">
+              <a:buNone/>
+            </a:pPr>
+            <a:r>
+              <a:rPr/>
+              <a:t>Templates</a:t>
+            </a:r>
+          </a:p>
+        </p:txBody>
+      </p:sp>
+      <p:sp>
+        <p:nvSpPr>
+          <p:cNvPr id="3" name="Content Placeholder 2"/>
+          <p:cNvSpPr>
+            <a:spLocks noGrp="1"/>
+          </p:cNvSpPr>
+          <p:nvPr>
+            <p:ph idx="1" sz="half"/>
+          </p:nvPr>
+        </p:nvSpPr>
+        <p:spPr/>
+        <p:txBody>
+          <a:bodyPr/>
+          <a:lstStyle/>
+          <a:p>
+            <a:pPr lvl="0"/>
+            <a:r>
+              <a:rPr/>
+              <a:t>Here</a:t>
+            </a:r>
+          </a:p>
+          <a:p>
+            <a:pPr lvl="0"/>
+            <a:r>
+              <a:rPr/>
+              <a:t>There</a:t>
+            </a:r>
+          </a:p>
+          <a:p>
+            <a:pPr lvl="0"/>
+            <a:r>
+              <a:rPr/>
+              <a:t>Everywhere</a:t>
+            </a:r>
+          </a:p>
+        </p:txBody>
+      </p:sp>
+      <p:pic>
+        <p:nvPicPr>
+          <p:cNvPr descr="assets/images/network.png" id="0" name="Picture 1"/>
+          <p:cNvPicPr>
+            <a:picLocks noGrp="1" noChangeAspect="1"/>
+          </p:cNvPicPr>
+          <p:nvPr/>
+        </p:nvPicPr>
+        <p:blipFill>
+          <a:blip r:embed="rId2"/>
+          <a:stretch>
+            <a:fillRect/>
+          </a:stretch>
+        </p:blipFill>
+        <p:spPr bwMode="auto">
+          <a:xfrm>
+            <a:off x="4724400" y="1193800"/>
+            <a:ext cx="3886200" cy="3390900"/>
+          </a:xfrm>
+          <a:prstGeom prst="rect">
+            <a:avLst/>
+          </a:prstGeom>
+          <a:noFill/>
+          <a:ln w="9525">
+            <a:noFill/>
+            <a:headEnd/>
+            <a:tailEnd/>
+          </a:ln>
+        </p:spPr>
+      </p:pic>
     </p:spTree>
   </p:cSld>
 </p:sld>
@@ -5391,7 +5934,7 @@
             </a:pPr>
             <a:r>
               <a:rPr/>
-              <a:t>What is the distribution of weights in the provider-provider network?</a:t>
+              <a:t>Distribution of weights in the provider-provider network</a:t>
             </a:r>
           </a:p>
         </p:txBody>
